--- a/WSB Presentation (NYC Data Academy).pptx
+++ b/WSB Presentation (NYC Data Academy).pptx
@@ -117,6 +117,11 @@
       </a:defRPr>
     </a:lvl9pPr>
   </p:defaultTextStyle>
+  <p:extLst>
+    <p:ext uri="{EFAFB233-063F-42B5-8137-9DF3F51BA10A}">
+      <p15:sldGuideLst xmlns:p15="http://schemas.microsoft.com/office/powerpoint/2012/main"/>
+    </p:ext>
+  </p:extLst>
 </p:presentation>
 </file>
 
@@ -267,7 +272,7 @@
           <a:p>
             <a:fld id="{4BBE90DF-A71E-4E2F-96F8-0965C72D2978}" type="datetimeFigureOut">
               <a:rPr lang="en-US" smtClean="0"/>
-              <a:t>10/16/2021</a:t>
+              <a:t>10/18/2021</a:t>
             </a:fld>
             <a:endParaRPr lang="en-US"/>
           </a:p>
@@ -465,7 +470,7 @@
           <a:p>
             <a:fld id="{4BBE90DF-A71E-4E2F-96F8-0965C72D2978}" type="datetimeFigureOut">
               <a:rPr lang="en-US" smtClean="0"/>
-              <a:t>10/16/2021</a:t>
+              <a:t>10/18/2021</a:t>
             </a:fld>
             <a:endParaRPr lang="en-US"/>
           </a:p>
@@ -673,7 +678,7 @@
           <a:p>
             <a:fld id="{4BBE90DF-A71E-4E2F-96F8-0965C72D2978}" type="datetimeFigureOut">
               <a:rPr lang="en-US" smtClean="0"/>
-              <a:t>10/16/2021</a:t>
+              <a:t>10/18/2021</a:t>
             </a:fld>
             <a:endParaRPr lang="en-US"/>
           </a:p>
@@ -871,7 +876,7 @@
           <a:p>
             <a:fld id="{4BBE90DF-A71E-4E2F-96F8-0965C72D2978}" type="datetimeFigureOut">
               <a:rPr lang="en-US" smtClean="0"/>
-              <a:t>10/16/2021</a:t>
+              <a:t>10/18/2021</a:t>
             </a:fld>
             <a:endParaRPr lang="en-US"/>
           </a:p>
@@ -1146,7 +1151,7 @@
           <a:p>
             <a:fld id="{4BBE90DF-A71E-4E2F-96F8-0965C72D2978}" type="datetimeFigureOut">
               <a:rPr lang="en-US" smtClean="0"/>
-              <a:t>10/16/2021</a:t>
+              <a:t>10/18/2021</a:t>
             </a:fld>
             <a:endParaRPr lang="en-US"/>
           </a:p>
@@ -1411,7 +1416,7 @@
           <a:p>
             <a:fld id="{4BBE90DF-A71E-4E2F-96F8-0965C72D2978}" type="datetimeFigureOut">
               <a:rPr lang="en-US" smtClean="0"/>
-              <a:t>10/16/2021</a:t>
+              <a:t>10/18/2021</a:t>
             </a:fld>
             <a:endParaRPr lang="en-US"/>
           </a:p>
@@ -1823,7 +1828,7 @@
           <a:p>
             <a:fld id="{4BBE90DF-A71E-4E2F-96F8-0965C72D2978}" type="datetimeFigureOut">
               <a:rPr lang="en-US" smtClean="0"/>
-              <a:t>10/16/2021</a:t>
+              <a:t>10/18/2021</a:t>
             </a:fld>
             <a:endParaRPr lang="en-US"/>
           </a:p>
@@ -1964,7 +1969,7 @@
           <a:p>
             <a:fld id="{4BBE90DF-A71E-4E2F-96F8-0965C72D2978}" type="datetimeFigureOut">
               <a:rPr lang="en-US" smtClean="0"/>
-              <a:t>10/16/2021</a:t>
+              <a:t>10/18/2021</a:t>
             </a:fld>
             <a:endParaRPr lang="en-US"/>
           </a:p>
@@ -2077,7 +2082,7 @@
           <a:p>
             <a:fld id="{4BBE90DF-A71E-4E2F-96F8-0965C72D2978}" type="datetimeFigureOut">
               <a:rPr lang="en-US" smtClean="0"/>
-              <a:t>10/16/2021</a:t>
+              <a:t>10/18/2021</a:t>
             </a:fld>
             <a:endParaRPr lang="en-US"/>
           </a:p>
@@ -2388,7 +2393,7 @@
           <a:p>
             <a:fld id="{4BBE90DF-A71E-4E2F-96F8-0965C72D2978}" type="datetimeFigureOut">
               <a:rPr lang="en-US" smtClean="0"/>
-              <a:t>10/16/2021</a:t>
+              <a:t>10/18/2021</a:t>
             </a:fld>
             <a:endParaRPr lang="en-US"/>
           </a:p>
@@ -2676,7 +2681,7 @@
           <a:p>
             <a:fld id="{4BBE90DF-A71E-4E2F-96F8-0965C72D2978}" type="datetimeFigureOut">
               <a:rPr lang="en-US" smtClean="0"/>
-              <a:t>10/16/2021</a:t>
+              <a:t>10/18/2021</a:t>
             </a:fld>
             <a:endParaRPr lang="en-US"/>
           </a:p>
@@ -2917,7 +2922,7 @@
           <a:p>
             <a:fld id="{4BBE90DF-A71E-4E2F-96F8-0965C72D2978}" type="datetimeFigureOut">
               <a:rPr lang="en-US" smtClean="0"/>
-              <a:t>10/16/2021</a:t>
+              <a:t>10/18/2021</a:t>
             </a:fld>
             <a:endParaRPr lang="en-US"/>
           </a:p>
@@ -4293,17 +4298,23 @@
             </a:pPr>
             <a:r>
               <a:rPr lang="en-US" sz="1500" dirty="0"/>
-              <a:t>Chart 1 - shows monthly </a:t>
+              <a:t>Chart 1 -shows Year-over-Year (YoY) change in </a:t>
             </a:r>
             <a:r>
               <a:rPr lang="en-US" sz="1500" u="sng" dirty="0"/>
-              <a:t>return on investment</a:t>
+              <a:t>volume</a:t>
             </a:r>
             <a:r>
               <a:rPr lang="en-US" sz="1500" dirty="0"/>
-              <a:t> (in %)</a:t>
-            </a:r>
-            <a:endParaRPr lang="en-US" sz="1500" u="sng" dirty="0"/>
+              <a:t> </a:t>
+            </a:r>
+          </a:p>
+          <a:p>
+            <a:pPr lvl="2"/>
+            <a:r>
+              <a:rPr lang="en-US" sz="1500" dirty="0"/>
+              <a:t>by month (in %)</a:t>
+            </a:r>
           </a:p>
           <a:p>
             <a:pPr marL="285750" indent="-285750">
@@ -4312,21 +4323,15 @@
             </a:pPr>
             <a:r>
               <a:rPr lang="en-US" sz="1500" dirty="0"/>
-              <a:t>Chart 2 - shows Year-over-Year (YoY) change </a:t>
-            </a:r>
-          </a:p>
-          <a:p>
+              <a:t>Chart 2 - shows monthly </a:t>
+            </a:r>
+            <a:r>
+              <a:rPr lang="en-US" sz="1500" u="sng" dirty="0"/>
+              <a:t>return on investment</a:t>
+            </a:r>
             <a:r>
               <a:rPr lang="en-US" sz="1500" dirty="0"/>
-              <a:t>	in </a:t>
-            </a:r>
-            <a:r>
-              <a:rPr lang="en-US" sz="1500" u="sng" dirty="0"/>
-              <a:t>volume</a:t>
-            </a:r>
-            <a:r>
-              <a:rPr lang="en-US" sz="1500" dirty="0"/>
-              <a:t> by month (in %)</a:t>
+              <a:t> (in %) </a:t>
             </a:r>
           </a:p>
           <a:p>
@@ -4403,7 +4408,7 @@
             </a:pPr>
             <a:r>
               <a:rPr lang="en-US" sz="1500" dirty="0"/>
-              <a:t>Price movement mainly captured in January of 2021.</a:t>
+              <a:t>Price movement mainly captured in January of 2021. (outlier)</a:t>
             </a:r>
           </a:p>
           <a:p>
@@ -4669,17 +4674,23 @@
             </a:pPr>
             <a:r>
               <a:rPr lang="en-US" sz="1500" dirty="0"/>
-              <a:t>Chart 1 - shows monthly </a:t>
+              <a:t>Chart 1 -shows Year-over-Year (YoY) change in </a:t>
             </a:r>
             <a:r>
               <a:rPr lang="en-US" sz="1500" u="sng" dirty="0"/>
-              <a:t>return on investment</a:t>
+              <a:t>volume</a:t>
             </a:r>
             <a:r>
               <a:rPr lang="en-US" sz="1500" dirty="0"/>
-              <a:t> (in %)</a:t>
-            </a:r>
-            <a:endParaRPr lang="en-US" sz="1500" u="sng" dirty="0"/>
+              <a:t> </a:t>
+            </a:r>
+          </a:p>
+          <a:p>
+            <a:pPr lvl="2"/>
+            <a:r>
+              <a:rPr lang="en-US" sz="1500" dirty="0"/>
+              <a:t>by month (in %)</a:t>
+            </a:r>
           </a:p>
           <a:p>
             <a:pPr marL="285750" indent="-285750">
@@ -4688,21 +4699,15 @@
             </a:pPr>
             <a:r>
               <a:rPr lang="en-US" sz="1500" dirty="0"/>
-              <a:t>Chart 2 - shows Year-over-Year (YoY) change </a:t>
-            </a:r>
-          </a:p>
-          <a:p>
+              <a:t>Chart 2 - shows monthly </a:t>
+            </a:r>
+            <a:r>
+              <a:rPr lang="en-US" sz="1500" u="sng" dirty="0"/>
+              <a:t>return on investment</a:t>
+            </a:r>
             <a:r>
               <a:rPr lang="en-US" sz="1500" dirty="0"/>
-              <a:t>	in </a:t>
-            </a:r>
-            <a:r>
-              <a:rPr lang="en-US" sz="1500" u="sng" dirty="0"/>
-              <a:t>volume</a:t>
-            </a:r>
-            <a:r>
-              <a:rPr lang="en-US" sz="1500" dirty="0"/>
-              <a:t> by month (in %)</a:t>
+              <a:t> (in %) </a:t>
             </a:r>
           </a:p>
           <a:p>
@@ -5452,13 +5457,13 @@
           <a:p>
             <a:r>
               <a:rPr lang="en-US" sz="2000" dirty="0"/>
-              <a:t>Increase in trading activity.</a:t>
+              <a:t>Increase in overall trading activity.</a:t>
             </a:r>
           </a:p>
           <a:p>
             <a:r>
               <a:rPr lang="en-US" sz="2000" dirty="0"/>
-              <a:t>Appears to show some correlation to the amount of mentions in the posts or comments to the trading volume of these stocks.</a:t>
+              <a:t>Potential correlation to the amount of mentions in the posts or comments to the trading volume of these stocks.</a:t>
             </a:r>
           </a:p>
           <a:p>
@@ -5472,7 +5477,7 @@
             </a:r>
             <a:r>
               <a:rPr lang="en-US" sz="2000" dirty="0"/>
-              <a:t> month where the # of mentions increased.</a:t>
+              <a:t> month where the # of mentions increased. (AMC did not but did the following)</a:t>
             </a:r>
           </a:p>
           <a:p>
@@ -5503,7 +5508,7 @@
             </a:pPr>
             <a:r>
               <a:rPr lang="en-US" sz="2000" u="sng" dirty="0"/>
-              <a:t>Potential reasons</a:t>
+              <a:t>Potential reasons why price didn’t have relation to the # of mentions</a:t>
             </a:r>
             <a:r>
               <a:rPr lang="en-US" sz="2000" dirty="0"/>
@@ -5519,7 +5524,7 @@
           <a:p>
             <a:r>
               <a:rPr lang="en-US" sz="2000" dirty="0"/>
-              <a:t>Some members can potentially be shorting the stock (puts) or selling their stake (profit-taking).</a:t>
+              <a:t>Some members can potentially be shorting the stock (via puts) or selling their stake (profit-taking).</a:t>
             </a:r>
           </a:p>
           <a:p>
@@ -6054,13 +6059,27 @@
         </p:spPr>
         <p:txBody>
           <a:bodyPr anchor="ctr">
-            <a:normAutofit/>
+            <a:normAutofit fontScale="92500"/>
           </a:bodyPr>
           <a:lstStyle/>
           <a:p>
             <a:r>
               <a:rPr lang="en-US" sz="2000" dirty="0"/>
-              <a:t>Further analysis can be done with better data.</a:t>
+              <a:t>Further analysis can be done with the price to the # of mentions (mainly that 1</a:t>
+            </a:r>
+            <a:r>
+              <a:rPr lang="en-US" sz="2000" baseline="30000" dirty="0"/>
+              <a:t>st</a:t>
+            </a:r>
+            <a:r>
+              <a:rPr lang="en-US" sz="2000" dirty="0"/>
+              <a:t> month move)</a:t>
+            </a:r>
+          </a:p>
+          <a:p>
+            <a:r>
+              <a:rPr lang="en-US" sz="2000" dirty="0"/>
+              <a:t>Better data is available to use than Yahoo Finance</a:t>
             </a:r>
           </a:p>
           <a:p>
@@ -7251,7 +7270,14 @@
             </a:r>
             <a:r>
               <a:rPr lang="en-US" sz="2000" dirty="0"/>
-              <a:t>” in 2021.</a:t>
+              <a:t>” in Jan of 2021.</a:t>
+            </a:r>
+          </a:p>
+          <a:p>
+            <a:pPr lvl="1"/>
+            <a:r>
+              <a:rPr lang="en-US" sz="1600" dirty="0"/>
+              <a:t>Roughly 11 million subscribers. </a:t>
             </a:r>
           </a:p>
           <a:p>
@@ -7275,13 +7301,6 @@
             <a:r>
               <a:rPr lang="en-US" sz="1600" dirty="0"/>
               <a:t>” or “WSB”, is a subreddit where participants discuss stock and option trading. It has become notable for its colorful and profane jargon, aggressive trading strategies, and for playing a major role in the GameStop short squeeze that caused losses for some U.S. firms and short sellers in a few days in early 2021 (Wikipedia).</a:t>
-            </a:r>
-          </a:p>
-          <a:p>
-            <a:pPr lvl="1"/>
-            <a:r>
-              <a:rPr lang="en-US" sz="1600" dirty="0"/>
-              <a:t>11 million subscribers.</a:t>
             </a:r>
           </a:p>
         </p:txBody>
@@ -10682,17 +10701,23 @@
             </a:pPr>
             <a:r>
               <a:rPr lang="en-US" sz="1500" dirty="0"/>
-              <a:t>Chart 1 - shows monthly </a:t>
+              <a:t>Chart 1 -shows Year-over-Year (YoY) change in </a:t>
             </a:r>
             <a:r>
               <a:rPr lang="en-US" sz="1500" u="sng" dirty="0"/>
-              <a:t>return on investment</a:t>
+              <a:t>volume</a:t>
             </a:r>
             <a:r>
               <a:rPr lang="en-US" sz="1500" dirty="0"/>
-              <a:t> (in %)</a:t>
-            </a:r>
-            <a:endParaRPr lang="en-US" sz="1500" u="sng" dirty="0"/>
+              <a:t> </a:t>
+            </a:r>
+          </a:p>
+          <a:p>
+            <a:pPr lvl="2"/>
+            <a:r>
+              <a:rPr lang="en-US" sz="1500" dirty="0"/>
+              <a:t>by month (in %)</a:t>
+            </a:r>
           </a:p>
           <a:p>
             <a:pPr marL="285750" indent="-285750">
@@ -10701,21 +10726,15 @@
             </a:pPr>
             <a:r>
               <a:rPr lang="en-US" sz="1500" dirty="0"/>
-              <a:t>Chart 2 - shows Year-over-Year (YoY) change </a:t>
-            </a:r>
-          </a:p>
-          <a:p>
+              <a:t>Chart 2 - shows monthly </a:t>
+            </a:r>
+            <a:r>
+              <a:rPr lang="en-US" sz="1500" u="sng" dirty="0"/>
+              <a:t>return on investment</a:t>
+            </a:r>
             <a:r>
               <a:rPr lang="en-US" sz="1500" dirty="0"/>
-              <a:t>	in </a:t>
-            </a:r>
-            <a:r>
-              <a:rPr lang="en-US" sz="1500" u="sng" dirty="0"/>
-              <a:t>volume</a:t>
-            </a:r>
-            <a:r>
-              <a:rPr lang="en-US" sz="1500" dirty="0"/>
-              <a:t> by month (in %)</a:t>
+              <a:t> (in %) </a:t>
             </a:r>
           </a:p>
           <a:p>
